--- a/documentation/docTravail/seancesTravail/cyber/Role_model.pptx
+++ b/documentation/docTravail/seancesTravail/cyber/Role_model.pptx
@@ -288,7 +288,7 @@
           <a:p>
             <a:fld id="{B447C1E0-4697-41C7-9922-9EF9AAA2784A}" type="datetimeFigureOut">
               <a:rPr lang="en-US" smtClean="0"/>
-              <a:t>3/9/2016</a:t>
+              <a:t>4/4/2016</a:t>
             </a:fld>
             <a:endParaRPr lang="en-US"/>
           </a:p>
@@ -458,7 +458,7 @@
           <a:p>
             <a:fld id="{B447C1E0-4697-41C7-9922-9EF9AAA2784A}" type="datetimeFigureOut">
               <a:rPr lang="en-US" smtClean="0"/>
-              <a:t>3/9/2016</a:t>
+              <a:t>4/4/2016</a:t>
             </a:fld>
             <a:endParaRPr lang="en-US"/>
           </a:p>
@@ -638,7 +638,7 @@
           <a:p>
             <a:fld id="{B447C1E0-4697-41C7-9922-9EF9AAA2784A}" type="datetimeFigureOut">
               <a:rPr lang="en-US" smtClean="0"/>
-              <a:t>3/9/2016</a:t>
+              <a:t>4/4/2016</a:t>
             </a:fld>
             <a:endParaRPr lang="en-US"/>
           </a:p>
@@ -808,7 +808,7 @@
           <a:p>
             <a:fld id="{B447C1E0-4697-41C7-9922-9EF9AAA2784A}" type="datetimeFigureOut">
               <a:rPr lang="en-US" smtClean="0"/>
-              <a:t>3/9/2016</a:t>
+              <a:t>4/4/2016</a:t>
             </a:fld>
             <a:endParaRPr lang="en-US"/>
           </a:p>
@@ -1054,7 +1054,7 @@
           <a:p>
             <a:fld id="{B447C1E0-4697-41C7-9922-9EF9AAA2784A}" type="datetimeFigureOut">
               <a:rPr lang="en-US" smtClean="0"/>
-              <a:t>3/9/2016</a:t>
+              <a:t>4/4/2016</a:t>
             </a:fld>
             <a:endParaRPr lang="en-US"/>
           </a:p>
@@ -1342,7 +1342,7 @@
           <a:p>
             <a:fld id="{B447C1E0-4697-41C7-9922-9EF9AAA2784A}" type="datetimeFigureOut">
               <a:rPr lang="en-US" smtClean="0"/>
-              <a:t>3/9/2016</a:t>
+              <a:t>4/4/2016</a:t>
             </a:fld>
             <a:endParaRPr lang="en-US"/>
           </a:p>
@@ -1764,7 +1764,7 @@
           <a:p>
             <a:fld id="{B447C1E0-4697-41C7-9922-9EF9AAA2784A}" type="datetimeFigureOut">
               <a:rPr lang="en-US" smtClean="0"/>
-              <a:t>3/9/2016</a:t>
+              <a:t>4/4/2016</a:t>
             </a:fld>
             <a:endParaRPr lang="en-US"/>
           </a:p>
@@ -1882,7 +1882,7 @@
           <a:p>
             <a:fld id="{B447C1E0-4697-41C7-9922-9EF9AAA2784A}" type="datetimeFigureOut">
               <a:rPr lang="en-US" smtClean="0"/>
-              <a:t>3/9/2016</a:t>
+              <a:t>4/4/2016</a:t>
             </a:fld>
             <a:endParaRPr lang="en-US"/>
           </a:p>
@@ -1977,7 +1977,7 @@
           <a:p>
             <a:fld id="{B447C1E0-4697-41C7-9922-9EF9AAA2784A}" type="datetimeFigureOut">
               <a:rPr lang="en-US" smtClean="0"/>
-              <a:t>3/9/2016</a:t>
+              <a:t>4/4/2016</a:t>
             </a:fld>
             <a:endParaRPr lang="en-US"/>
           </a:p>
@@ -2254,7 +2254,7 @@
           <a:p>
             <a:fld id="{B447C1E0-4697-41C7-9922-9EF9AAA2784A}" type="datetimeFigureOut">
               <a:rPr lang="en-US" smtClean="0"/>
-              <a:t>3/9/2016</a:t>
+              <a:t>4/4/2016</a:t>
             </a:fld>
             <a:endParaRPr lang="en-US"/>
           </a:p>
@@ -2507,7 +2507,7 @@
           <a:p>
             <a:fld id="{B447C1E0-4697-41C7-9922-9EF9AAA2784A}" type="datetimeFigureOut">
               <a:rPr lang="en-US" smtClean="0"/>
-              <a:t>3/9/2016</a:t>
+              <a:t>4/4/2016</a:t>
             </a:fld>
             <a:endParaRPr lang="en-US"/>
           </a:p>
@@ -2720,7 +2720,7 @@
           <a:p>
             <a:fld id="{B447C1E0-4697-41C7-9922-9EF9AAA2784A}" type="datetimeFigureOut">
               <a:rPr lang="en-US" smtClean="0"/>
-              <a:t>3/9/2016</a:t>
+              <a:t>4/4/2016</a:t>
             </a:fld>
             <a:endParaRPr lang="en-US"/>
           </a:p>
@@ -3249,7 +3249,7 @@
         </p:nvSpPr>
         <p:spPr>
           <a:xfrm>
-            <a:off x="395536" y="3284984"/>
+            <a:off x="395536" y="2996952"/>
             <a:ext cx="1871866" cy="432048"/>
           </a:xfrm>
           <a:prstGeom prst="rect">
@@ -3291,7 +3291,7 @@
         </p:nvSpPr>
         <p:spPr>
           <a:xfrm>
-            <a:off x="2555776" y="3282327"/>
+            <a:off x="2555776" y="2994295"/>
             <a:ext cx="1871866" cy="432048"/>
           </a:xfrm>
           <a:prstGeom prst="rect">
@@ -3333,7 +3333,7 @@
         </p:nvSpPr>
         <p:spPr>
           <a:xfrm>
-            <a:off x="4788024" y="3282327"/>
+            <a:off x="4788024" y="2994295"/>
             <a:ext cx="1871866" cy="432048"/>
           </a:xfrm>
           <a:prstGeom prst="rect">
@@ -3375,7 +3375,7 @@
         </p:nvSpPr>
         <p:spPr>
           <a:xfrm>
-            <a:off x="7020273" y="3282327"/>
+            <a:off x="7020273" y="2994295"/>
             <a:ext cx="1871866" cy="432048"/>
           </a:xfrm>
           <a:prstGeom prst="rect">
@@ -3417,7 +3417,7 @@
         </p:nvGrpSpPr>
         <p:grpSpPr>
           <a:xfrm>
-            <a:off x="3707904" y="517474"/>
+            <a:off x="3707904" y="229442"/>
             <a:ext cx="1765027" cy="604217"/>
             <a:chOff x="3707904" y="517474"/>
             <a:chExt cx="1765027" cy="604217"/>
@@ -3528,7 +3528,7 @@
         </p:nvCxnSpPr>
         <p:spPr>
           <a:xfrm rot="16200000" flipV="1">
-            <a:off x="5299678" y="412432"/>
+            <a:off x="5299678" y="124400"/>
             <a:ext cx="795141" cy="2213659"/>
           </a:xfrm>
           <a:prstGeom prst="bentConnector3">
@@ -3561,7 +3561,7 @@
         </p:nvCxnSpPr>
         <p:spPr>
           <a:xfrm rot="5400000" flipH="1" flipV="1">
-            <a:off x="3139608" y="466023"/>
+            <a:off x="3139608" y="177991"/>
             <a:ext cx="795141" cy="2106479"/>
           </a:xfrm>
           <a:prstGeom prst="bentConnector3">
@@ -3591,7 +3591,7 @@
         </p:nvGrpSpPr>
         <p:grpSpPr>
           <a:xfrm>
-            <a:off x="1548006" y="1916832"/>
+            <a:off x="1548006" y="1628800"/>
             <a:ext cx="1871866" cy="602503"/>
             <a:chOff x="1836038" y="1916832"/>
             <a:chExt cx="1871866" cy="602503"/>
@@ -3699,7 +3699,7 @@
         </p:nvGrpSpPr>
         <p:grpSpPr>
           <a:xfrm>
-            <a:off x="5868144" y="1916832"/>
+            <a:off x="5868144" y="1628800"/>
             <a:ext cx="1871866" cy="592643"/>
             <a:chOff x="5348912" y="1916832"/>
             <a:chExt cx="1871866" cy="592643"/>
@@ -3810,7 +3810,7 @@
         </p:nvCxnSpPr>
         <p:spPr>
           <a:xfrm rot="5400000" flipH="1" flipV="1">
-            <a:off x="1524880" y="2325925"/>
+            <a:off x="1524880" y="2037893"/>
             <a:ext cx="765649" cy="1152470"/>
           </a:xfrm>
           <a:prstGeom prst="bentConnector3">
@@ -3843,7 +3843,7 @@
         </p:nvCxnSpPr>
         <p:spPr>
           <a:xfrm rot="16200000" flipV="1">
-            <a:off x="2606328" y="2396946"/>
+            <a:off x="2606328" y="2108914"/>
             <a:ext cx="762992" cy="1007770"/>
           </a:xfrm>
           <a:prstGeom prst="bentConnector3">
@@ -3876,7 +3876,7 @@
         </p:nvCxnSpPr>
         <p:spPr>
           <a:xfrm rot="5400000" flipH="1" flipV="1">
-            <a:off x="5877591" y="2355841"/>
+            <a:off x="5877591" y="2067809"/>
             <a:ext cx="772852" cy="1080121"/>
           </a:xfrm>
           <a:prstGeom prst="bentConnector3">
@@ -3909,7 +3909,7 @@
         </p:nvCxnSpPr>
         <p:spPr>
           <a:xfrm rot="16200000" flipV="1">
-            <a:off x="6993716" y="2319837"/>
+            <a:off x="6993716" y="2031805"/>
             <a:ext cx="772852" cy="1152128"/>
           </a:xfrm>
           <a:prstGeom prst="bentConnector3">
@@ -3941,6 +3941,13 @@
   <p:clrMapOvr>
     <a:masterClrMapping/>
   </p:clrMapOvr>
+  <p:timing>
+    <p:tnLst>
+      <p:par>
+        <p:cTn id="1" dur="indefinite" restart="never" nodeType="tmRoot"/>
+      </p:par>
+    </p:tnLst>
+  </p:timing>
 </p:sld>
 </file>
 
